--- a/AICTE PPT Template (1).pptx
+++ b/AICTE PPT Template (1).pptx
@@ -7301,10 +7301,10 @@
       </p:sp>
       <p:sp>
         <p:nvSpPr>
-          <p:cNvPr id="3" name="Content Placeholder 2">
+          <p:cNvPr id="7" name="Content Placeholder 6">
             <a:extLst>
               <a:ext uri="{FF2B5EF4-FFF2-40B4-BE49-F238E27FC236}">
-                <a16:creationId xmlns:a16="http://schemas.microsoft.com/office/drawing/2014/main" id="{51A299DD-46FA-7866-41D8-C1BFCC2F69DD}"/>
+                <a16:creationId xmlns:a16="http://schemas.microsoft.com/office/drawing/2014/main" id="{8F1DCB6F-F781-4CF2-5D59-541005DCEDFA}"/>
               </a:ext>
             </a:extLst>
           </p:cNvPr>
@@ -7321,9 +7321,176 @@
           <a:lstStyle/>
           <a:p>
             <a:r>
-              <a:rPr lang="en-IN" dirty="0"/>
-              <a:t>Make sure that there should be readme file</a:t>
-            </a:r>
+              <a:rPr lang="en-US" dirty="0">
+                <a:solidFill>
+                  <a:srgbClr val="FF0000"/>
+                </a:solidFill>
+                <a:hlinkClick r:id="rId2"/>
+              </a:rPr>
+              <a:t>https://github.com/samyukthareddykandula/stego.git</a:t>
+            </a:r>
+            <a:endParaRPr lang="en-US" dirty="0">
+              <a:solidFill>
+                <a:srgbClr val="FF0000"/>
+              </a:solidFill>
+            </a:endParaRPr>
+          </a:p>
+          <a:p>
+            <a:pPr marL="432000" indent="-324000">
+              <a:spcBef>
+                <a:spcPts val="1417"/>
+              </a:spcBef>
+              <a:buClr>
+                <a:srgbClr val="000000"/>
+              </a:buClr>
+              <a:buSzPct val="45000"/>
+              <a:buFont typeface="Wingdings" charset="2"/>
+              <a:buChar char=""/>
+            </a:pPr>
+            <a:r>
+              <a:rPr lang="en-US" sz="2400" b="0" strike="noStrike" spc="-1" dirty="0">
+                <a:solidFill>
+                  <a:srgbClr val="404040"/>
+                </a:solidFill>
+                <a:latin typeface="Arial Rounded MT Bold" panose="020F0704030504030204" pitchFamily="34" charset="0"/>
+              </a:rPr>
+              <a:t>Description:</a:t>
+            </a:r>
+          </a:p>
+          <a:p>
+            <a:pPr marL="432000" indent="-324000">
+              <a:spcBef>
+                <a:spcPts val="1417"/>
+              </a:spcBef>
+              <a:buClr>
+                <a:srgbClr val="000000"/>
+              </a:buClr>
+              <a:buSzPct val="45000"/>
+              <a:buFont typeface="Wingdings" charset="2"/>
+              <a:buChar char=""/>
+            </a:pPr>
+            <a:r>
+              <a:rPr lang="en-US" sz="2400" b="0" strike="noStrike" spc="-1" dirty="0">
+                <a:solidFill>
+                  <a:srgbClr val="404040"/>
+                </a:solidFill>
+                <a:latin typeface="Aptos Display" panose="020B0004020202020204" pitchFamily="34" charset="0"/>
+              </a:rPr>
+              <a:t>This project implements Least Significant Bit (LSB) steganography to hide and extract secret messages within BMP images.</a:t>
+            </a:r>
+          </a:p>
+          <a:p>
+            <a:r>
+              <a:rPr lang="en-US" sz="2000" b="0" strike="noStrike" spc="-1" dirty="0">
+                <a:solidFill>
+                  <a:srgbClr val="404040"/>
+                </a:solidFill>
+                <a:latin typeface="Arial Black" panose="020B0A04020102020204" pitchFamily="34" charset="0"/>
+              </a:rPr>
+              <a:t>Repository Contents:</a:t>
+            </a:r>
+          </a:p>
+          <a:p>
+            <a:r>
+              <a:rPr lang="en-US" sz="2000" b="0" strike="noStrike" spc="-1" dirty="0">
+                <a:solidFill>
+                  <a:srgbClr val="404040"/>
+                </a:solidFill>
+                <a:latin typeface="+mj-lt"/>
+              </a:rPr>
+              <a:t>Source Code – </a:t>
+            </a:r>
+            <a:r>
+              <a:rPr lang="en-US" sz="2000" spc="-1" dirty="0">
+                <a:solidFill>
+                  <a:srgbClr val="404040"/>
+                </a:solidFill>
+              </a:rPr>
+              <a:t>python </a:t>
+            </a:r>
+            <a:r>
+              <a:rPr lang="en-US" sz="2000" b="0" strike="noStrike" spc="-1" dirty="0">
+                <a:solidFill>
+                  <a:srgbClr val="404040"/>
+                </a:solidFill>
+              </a:rPr>
+              <a:t>programs for embedding and extracting hidden messages.</a:t>
+            </a:r>
+          </a:p>
+          <a:p>
+            <a:r>
+              <a:rPr lang="en-US" sz="1700" b="0" strike="noStrike" spc="-1" dirty="0">
+                <a:solidFill>
+                  <a:srgbClr val="404040"/>
+                </a:solidFill>
+                <a:latin typeface="Franklin Gothic Book"/>
+              </a:rPr>
+              <a:t> </a:t>
+            </a:r>
+            <a:r>
+              <a:rPr lang="en-US" sz="2000" b="0" strike="noStrike" spc="-1" dirty="0">
+                <a:solidFill>
+                  <a:srgbClr val="404040"/>
+                </a:solidFill>
+                <a:latin typeface="+mj-lt"/>
+              </a:rPr>
+              <a:t>Sample Images – </a:t>
+            </a:r>
+            <a:r>
+              <a:rPr lang="en-US" sz="2000" b="0" strike="noStrike" spc="-1" dirty="0">
+                <a:solidFill>
+                  <a:srgbClr val="404040"/>
+                </a:solidFill>
+                <a:latin typeface="Franklin Gothic Book"/>
+              </a:rPr>
+              <a:t>BMP images used for testing steganography.</a:t>
+            </a:r>
+          </a:p>
+          <a:p>
+            <a:r>
+              <a:rPr lang="en-US" sz="2000" b="0" strike="noStrike" spc="-1" dirty="0">
+                <a:solidFill>
+                  <a:srgbClr val="404040"/>
+                </a:solidFill>
+                <a:latin typeface="+mj-lt"/>
+              </a:rPr>
+              <a:t>Documentation – </a:t>
+            </a:r>
+            <a:r>
+              <a:rPr lang="en-US" sz="2000" b="0" strike="noStrike" spc="-1" dirty="0">
+                <a:solidFill>
+                  <a:srgbClr val="404040"/>
+                </a:solidFill>
+              </a:rPr>
+              <a:t>Project report, explanations, and implementation details.</a:t>
+            </a:r>
+          </a:p>
+          <a:p>
+            <a:r>
+              <a:rPr lang="en-US" sz="2000" b="0" strike="noStrike" spc="-1" dirty="0">
+                <a:solidFill>
+                  <a:srgbClr val="404040"/>
+                </a:solidFill>
+                <a:latin typeface="+mj-lt"/>
+              </a:rPr>
+              <a:t>Presentation – </a:t>
+            </a:r>
+            <a:r>
+              <a:rPr lang="en-US" sz="2000" b="0" strike="noStrike" spc="-1" dirty="0">
+                <a:solidFill>
+                  <a:srgbClr val="404040"/>
+                </a:solidFill>
+                <a:latin typeface="Franklin Gothic Book"/>
+              </a:rPr>
+              <a:t>PPT slides summarizing the project.</a:t>
+            </a:r>
+          </a:p>
+          <a:p>
+            <a:endParaRPr lang="en-US" dirty="0">
+              <a:solidFill>
+                <a:srgbClr val="FF0000"/>
+              </a:solidFill>
+            </a:endParaRPr>
           </a:p>
         </p:txBody>
       </p:sp>
@@ -7905,15 +8072,6 @@
 </file>
 
 <file path=customXml/item1.xml><?xml version="1.0" encoding="utf-8"?>
-<?mso-contentType ?>
-<FormTemplates xmlns="http://schemas.microsoft.com/sharepoint/v3/contenttype/forms">
-  <Display>DocumentLibraryForm</Display>
-  <Edit>DocumentLibraryForm</Edit>
-  <New>DocumentLibraryForm</New>
-</FormTemplates>
-</file>
-
-<file path=customXml/item2.xml><?xml version="1.0" encoding="utf-8"?>
 <ct:contentTypeSchema xmlns:ct="http://schemas.microsoft.com/office/2006/metadata/contentType" xmlns:ma="http://schemas.microsoft.com/office/2006/metadata/properties/metaAttributes" ct:_="" ma:_="" ma:contentTypeName="Document" ma:contentTypeID="0x0101007F0268AC5E70984D8FE60B7154176407" ma:contentTypeVersion="15" ma:contentTypeDescription="Create a new document." ma:contentTypeScope="" ma:versionID="104e359103f0f57b1cf9676756e5b944">
   <xsd:schema xmlns:xsd="http://www.w3.org/2001/XMLSchema" xmlns:xs="http://www.w3.org/2001/XMLSchema" xmlns:p="http://schemas.microsoft.com/office/2006/metadata/properties" xmlns:ns3="b30265f8-c5e2-4918-b4a1-b977299ca3e2" xmlns:ns4="fadb41d3-f9cb-40fb-903c-8cacaba95bb5" targetNamespace="http://schemas.microsoft.com/office/2006/metadata/properties" ma:root="true" ma:fieldsID="5615b8f8aa772998bad551f24a33de0e" ns3:_="" ns4:_="">
     <xsd:import namespace="b30265f8-c5e2-4918-b4a1-b977299ca3e2"/>
@@ -8146,6 +8304,15 @@
 </ct:contentTypeSchema>
 </file>
 
+<file path=customXml/item2.xml><?xml version="1.0" encoding="utf-8"?>
+<?mso-contentType ?>
+<FormTemplates xmlns="http://schemas.microsoft.com/sharepoint/v3/contenttype/forms">
+  <Display>DocumentLibraryForm</Display>
+  <Edit>DocumentLibraryForm</Edit>
+  <New>DocumentLibraryForm</New>
+</FormTemplates>
+</file>
+
 <file path=customXml/item3.xml><?xml version="1.0" encoding="utf-8"?>
 <p:properties xmlns:p="http://schemas.microsoft.com/office/2006/metadata/properties" xmlns:xsi="http://www.w3.org/2001/XMLSchema-instance" xmlns:pc="http://schemas.microsoft.com/office/infopath/2007/PartnerControls">
   <documentManagement>
@@ -8155,14 +8322,6 @@
 </file>
 
 <file path=customXml/itemProps1.xml><?xml version="1.0" encoding="utf-8"?>
-<ds:datastoreItem xmlns:ds="http://schemas.openxmlformats.org/officeDocument/2006/customXml" ds:itemID="{927BD4C1-B6B1-4715-ABF9-E660A51A4EA0}">
-  <ds:schemaRefs>
-    <ds:schemaRef ds:uri="http://schemas.microsoft.com/sharepoint/v3/contenttype/forms"/>
-  </ds:schemaRefs>
-</ds:datastoreItem>
-</file>
-
-<file path=customXml/itemProps2.xml><?xml version="1.0" encoding="utf-8"?>
 <ds:datastoreItem xmlns:ds="http://schemas.openxmlformats.org/officeDocument/2006/customXml" ds:itemID="{9DD71778-17EE-4151-88AE-C8F4E8043BD9}">
   <ds:schemaRefs>
     <ds:schemaRef ds:uri="http://schemas.microsoft.com/office/2006/metadata/contentType"/>
@@ -8177,6 +8336,14 @@
     <ds:schemaRef ds:uri="http://purl.org/dc/elements/1.1/"/>
     <ds:schemaRef ds:uri="http://purl.org/dc/terms/"/>
     <ds:schemaRef ds:uri="http://schemas.microsoft.com/internal/obd"/>
+  </ds:schemaRefs>
+</ds:datastoreItem>
+</file>
+
+<file path=customXml/itemProps2.xml><?xml version="1.0" encoding="utf-8"?>
+<ds:datastoreItem xmlns:ds="http://schemas.openxmlformats.org/officeDocument/2006/customXml" ds:itemID="{927BD4C1-B6B1-4715-ABF9-E660A51A4EA0}">
+  <ds:schemaRefs>
+    <ds:schemaRef ds:uri="http://schemas.microsoft.com/sharepoint/v3/contenttype/forms"/>
   </ds:schemaRefs>
 </ds:datastoreItem>
 </file>
